--- a/lectures/The Ising Model.pptx
+++ b/lectures/The Ising Model.pptx
@@ -10,11 +10,10 @@
     <p:sldId id="258" r:id="rId4"/>
     <p:sldId id="259" r:id="rId5"/>
     <p:sldId id="260" r:id="rId6"/>
-    <p:sldId id="261" r:id="rId7"/>
-    <p:sldId id="262" r:id="rId8"/>
-    <p:sldId id="263" r:id="rId9"/>
-    <p:sldId id="264" r:id="rId10"/>
-    <p:sldId id="265" r:id="rId11"/>
+    <p:sldId id="262" r:id="rId7"/>
+    <p:sldId id="263" r:id="rId8"/>
+    <p:sldId id="264" r:id="rId9"/>
+    <p:sldId id="265" r:id="rId10"/>
   </p:sldIdLst>
   <p:sldSz cx="12192000" cy="6858000"/>
   <p:notesSz cx="6858000" cy="9144000"/>
@@ -404,7 +403,7 @@
           <a:p>
             <a:fld id="{E80C50CD-E178-4744-9B35-B2F624D6C5E9}" type="datetimeFigureOut">
               <a:rPr lang="en-US" smtClean="0"/>
-              <a:t>3/26/2025</a:t>
+              <a:t>3/27/2025</a:t>
             </a:fld>
             <a:endParaRPr lang="en-US"/>
           </a:p>
@@ -602,7 +601,7 @@
           <a:p>
             <a:fld id="{E80C50CD-E178-4744-9B35-B2F624D6C5E9}" type="datetimeFigureOut">
               <a:rPr lang="en-US" smtClean="0"/>
-              <a:t>3/26/2025</a:t>
+              <a:t>3/27/2025</a:t>
             </a:fld>
             <a:endParaRPr lang="en-US"/>
           </a:p>
@@ -810,7 +809,7 @@
           <a:p>
             <a:fld id="{E80C50CD-E178-4744-9B35-B2F624D6C5E9}" type="datetimeFigureOut">
               <a:rPr lang="en-US" smtClean="0"/>
-              <a:t>3/26/2025</a:t>
+              <a:t>3/27/2025</a:t>
             </a:fld>
             <a:endParaRPr lang="en-US"/>
           </a:p>
@@ -1060,7 +1059,7 @@
           <a:p>
             <a:fld id="{E80C50CD-E178-4744-9B35-B2F624D6C5E9}" type="datetimeFigureOut">
               <a:rPr lang="en-US" smtClean="0"/>
-              <a:t>3/26/2025</a:t>
+              <a:t>3/27/2025</a:t>
             </a:fld>
             <a:endParaRPr lang="en-US"/>
           </a:p>
@@ -1339,7 +1338,7 @@
           <a:p>
             <a:fld id="{E80C50CD-E178-4744-9B35-B2F624D6C5E9}" type="datetimeFigureOut">
               <a:rPr lang="en-US" smtClean="0"/>
-              <a:t>3/26/2025</a:t>
+              <a:t>3/27/2025</a:t>
             </a:fld>
             <a:endParaRPr lang="en-US"/>
           </a:p>
@@ -1656,7 +1655,7 @@
           <a:p>
             <a:fld id="{E80C50CD-E178-4744-9B35-B2F624D6C5E9}" type="datetimeFigureOut">
               <a:rPr lang="en-US" smtClean="0"/>
-              <a:t>3/26/2025</a:t>
+              <a:t>3/27/2025</a:t>
             </a:fld>
             <a:endParaRPr lang="en-US"/>
           </a:p>
@@ -2072,7 +2071,7 @@
           <a:p>
             <a:fld id="{E80C50CD-E178-4744-9B35-B2F624D6C5E9}" type="datetimeFigureOut">
               <a:rPr lang="en-US" smtClean="0"/>
-              <a:t>3/26/2025</a:t>
+              <a:t>3/27/2025</a:t>
             </a:fld>
             <a:endParaRPr lang="en-US"/>
           </a:p>
@@ -2213,7 +2212,7 @@
           <a:p>
             <a:fld id="{E80C50CD-E178-4744-9B35-B2F624D6C5E9}" type="datetimeFigureOut">
               <a:rPr lang="en-US" smtClean="0"/>
-              <a:t>3/26/2025</a:t>
+              <a:t>3/27/2025</a:t>
             </a:fld>
             <a:endParaRPr lang="en-US"/>
           </a:p>
@@ -2326,7 +2325,7 @@
           <a:p>
             <a:fld id="{E80C50CD-E178-4744-9B35-B2F624D6C5E9}" type="datetimeFigureOut">
               <a:rPr lang="en-US" smtClean="0"/>
-              <a:t>3/26/2025</a:t>
+              <a:t>3/27/2025</a:t>
             </a:fld>
             <a:endParaRPr lang="en-US"/>
           </a:p>
@@ -2643,7 +2642,7 @@
           <a:p>
             <a:fld id="{E80C50CD-E178-4744-9B35-B2F624D6C5E9}" type="datetimeFigureOut">
               <a:rPr lang="en-US" smtClean="0"/>
-              <a:t>3/26/2025</a:t>
+              <a:t>3/27/2025</a:t>
             </a:fld>
             <a:endParaRPr lang="en-US"/>
           </a:p>
@@ -2935,7 +2934,7 @@
           <a:p>
             <a:fld id="{E80C50CD-E178-4744-9B35-B2F624D6C5E9}" type="datetimeFigureOut">
               <a:rPr lang="en-US" smtClean="0"/>
-              <a:t>3/26/2025</a:t>
+              <a:t>3/27/2025</a:t>
             </a:fld>
             <a:endParaRPr lang="en-US"/>
           </a:p>
@@ -3175,7 +3174,7 @@
             <a:fld id="{E80C50CD-E178-4744-9B35-B2F624D6C5E9}" type="datetimeFigureOut">
               <a:rPr lang="en-US" smtClean="0"/>
               <a:pPr/>
-              <a:t>3/26/2025</a:t>
+              <a:t>3/27/2025</a:t>
             </a:fld>
             <a:endParaRPr lang="en-US"/>
           </a:p>
@@ -4031,225 +4030,6 @@
 </p:sld>
 </file>
 
-<file path=ppt/slides/slide10.xml><?xml version="1.0" encoding="utf-8"?>
-<p:sld xmlns:a="http://schemas.openxmlformats.org/drawingml/2006/main" xmlns:r="http://schemas.openxmlformats.org/officeDocument/2006/relationships" xmlns:p="http://schemas.openxmlformats.org/presentationml/2006/main">
-  <p:cSld>
-    <p:spTree>
-      <p:nvGrpSpPr>
-        <p:cNvPr id="1" name=""/>
-        <p:cNvGrpSpPr/>
-        <p:nvPr/>
-      </p:nvGrpSpPr>
-      <p:grpSpPr>
-        <a:xfrm>
-          <a:off x="0" y="0"/>
-          <a:ext cx="0" cy="0"/>
-          <a:chOff x="0" y="0"/>
-          <a:chExt cx="0" cy="0"/>
-        </a:xfrm>
-      </p:grpSpPr>
-      <p:sp>
-        <p:nvSpPr>
-          <p:cNvPr id="2" name="Title 1">
-            <a:extLst>
-              <a:ext uri="{FF2B5EF4-FFF2-40B4-BE49-F238E27FC236}">
-                <a16:creationId xmlns:a16="http://schemas.microsoft.com/office/drawing/2014/main" id="{9F9537D3-FDD6-31A2-D285-5CA190B0D35A}"/>
-              </a:ext>
-            </a:extLst>
-          </p:cNvPr>
-          <p:cNvSpPr>
-            <a:spLocks noGrp="1"/>
-          </p:cNvSpPr>
-          <p:nvPr>
-            <p:ph type="title"/>
-          </p:nvPr>
-        </p:nvSpPr>
-        <p:spPr/>
-        <p:txBody>
-          <a:bodyPr/>
-          <a:lstStyle/>
-          <a:p>
-            <a:r>
-              <a:rPr lang="en-US" dirty="0"/>
-              <a:t>Is Annealing Working?</a:t>
-            </a:r>
-          </a:p>
-        </p:txBody>
-      </p:sp>
-      <mc:AlternateContent xmlns:mc="http://schemas.openxmlformats.org/markup-compatibility/2006">
-        <mc:Choice xmlns:a14="http://schemas.microsoft.com/office/drawing/2010/main" Requires="a14">
-          <p:sp>
-            <p:nvSpPr>
-              <p:cNvPr id="3" name="Content Placeholder 2">
-                <a:extLst>
-                  <a:ext uri="{FF2B5EF4-FFF2-40B4-BE49-F238E27FC236}">
-                    <a16:creationId xmlns:a16="http://schemas.microsoft.com/office/drawing/2014/main" id="{E34D2C52-E02E-0C63-1D7F-96189F3A11A3}"/>
-                  </a:ext>
-                </a:extLst>
-              </p:cNvPr>
-              <p:cNvSpPr>
-                <a:spLocks noGrp="1"/>
-              </p:cNvSpPr>
-              <p:nvPr>
-                <p:ph sz="half" idx="1"/>
-              </p:nvPr>
-            </p:nvSpPr>
-            <p:spPr/>
-            <p:txBody>
-              <a:bodyPr/>
-              <a:lstStyle/>
-              <a:p>
-                <a:r>
-                  <a:rPr lang="en-US" dirty="0"/>
-                  <a:t>Check that </a:t>
-                </a:r>
-                <a14:m>
-                  <m:oMath xmlns:m="http://schemas.openxmlformats.org/officeDocument/2006/math">
-                    <m:r>
-                      <a:rPr lang="en-US" i="1" dirty="0" smtClean="0">
-                        <a:latin typeface="Cambria Math" panose="02040503050406030204" pitchFamily="18" charset="0"/>
-                      </a:rPr>
-                      <m:t>𝐸</m:t>
-                    </m:r>
-                    <m:r>
-                      <a:rPr lang="en-US" i="1" dirty="0" smtClean="0">
-                        <a:latin typeface="Cambria Math" panose="02040503050406030204" pitchFamily="18" charset="0"/>
-                      </a:rPr>
-                      <m:t>(</m:t>
-                    </m:r>
-                    <m:r>
-                      <a:rPr lang="en-US" i="1" dirty="0" smtClean="0">
-                        <a:latin typeface="Cambria Math" panose="02040503050406030204" pitchFamily="18" charset="0"/>
-                      </a:rPr>
-                      <m:t>𝑇</m:t>
-                    </m:r>
-                    <m:r>
-                      <a:rPr lang="en-US" i="1" dirty="0" smtClean="0">
-                        <a:latin typeface="Cambria Math" panose="02040503050406030204" pitchFamily="18" charset="0"/>
-                      </a:rPr>
-                      <m:t>)</m:t>
-                    </m:r>
-                  </m:oMath>
-                </a14:m>
-                <a:r>
-                  <a:rPr lang="en-US" dirty="0"/>
-                  <a:t> decreases and levels off at low </a:t>
-                </a:r>
-                <a14:m>
-                  <m:oMath xmlns:m="http://schemas.openxmlformats.org/officeDocument/2006/math">
-                    <m:r>
-                      <a:rPr lang="en-US" i="1" dirty="0" smtClean="0">
-                        <a:latin typeface="Cambria Math" panose="02040503050406030204" pitchFamily="18" charset="0"/>
-                      </a:rPr>
-                      <m:t>𝑇</m:t>
-                    </m:r>
-                  </m:oMath>
-                </a14:m>
-                <a:endParaRPr lang="en-US" dirty="0"/>
-              </a:p>
-              <a:p>
-                <a:r>
-                  <a:rPr lang="en-US" dirty="0"/>
-                  <a:t>Plot energy vs temperature to visualize annealing process</a:t>
-                </a:r>
-              </a:p>
-              <a:p>
-                <a:r>
-                  <a:rPr lang="en-US" dirty="0"/>
-                  <a:t>Check that acceptance ratio decreases smoothly during the process</a:t>
-                </a:r>
-              </a:p>
-            </p:txBody>
-          </p:sp>
-        </mc:Choice>
-        <mc:Fallback>
-          <p:sp>
-            <p:nvSpPr>
-              <p:cNvPr id="3" name="Content Placeholder 2">
-                <a:extLst>
-                  <a:ext uri="{FF2B5EF4-FFF2-40B4-BE49-F238E27FC236}">
-                    <a16:creationId xmlns:a16="http://schemas.microsoft.com/office/drawing/2014/main" id="{E34D2C52-E02E-0C63-1D7F-96189F3A11A3}"/>
-                  </a:ext>
-                </a:extLst>
-              </p:cNvPr>
-              <p:cNvSpPr>
-                <a:spLocks noGrp="1" noRot="1" noChangeAspect="1" noMove="1" noResize="1" noEditPoints="1" noAdjustHandles="1" noChangeArrowheads="1" noChangeShapeType="1" noTextEdit="1"/>
-              </p:cNvSpPr>
-              <p:nvPr>
-                <p:ph sz="half" idx="1"/>
-              </p:nvPr>
-            </p:nvSpPr>
-            <p:spPr>
-              <a:blipFill>
-                <a:blip r:embed="rId2"/>
-                <a:stretch>
-                  <a:fillRect l="-826" t="-485" r="-1181"/>
-                </a:stretch>
-              </a:blipFill>
-            </p:spPr>
-            <p:txBody>
-              <a:bodyPr/>
-              <a:lstStyle/>
-              <a:p>
-                <a:r>
-                  <a:rPr lang="en-US">
-                    <a:noFill/>
-                  </a:rPr>
-                  <a:t> </a:t>
-                </a:r>
-              </a:p>
-            </p:txBody>
-          </p:sp>
-        </mc:Fallback>
-      </mc:AlternateContent>
-      <p:pic>
-        <p:nvPicPr>
-          <p:cNvPr id="6" name="Content Placeholder 5" descr="A graph showing the temperature of a person&#10;&#10;AI-generated content may be incorrect.">
-            <a:extLst>
-              <a:ext uri="{FF2B5EF4-FFF2-40B4-BE49-F238E27FC236}">
-                <a16:creationId xmlns:a16="http://schemas.microsoft.com/office/drawing/2014/main" id="{D08B2B2B-C4AB-2B28-732C-CCCDB0CF915C}"/>
-              </a:ext>
-            </a:extLst>
-          </p:cNvPr>
-          <p:cNvPicPr>
-            <a:picLocks noGrp="1" noChangeAspect="1"/>
-          </p:cNvPicPr>
-          <p:nvPr>
-            <p:ph sz="half" idx="2"/>
-          </p:nvPr>
-        </p:nvPicPr>
-        <p:blipFill>
-          <a:blip r:embed="rId3">
-            <a:extLst>
-              <a:ext uri="{28A0092B-C50C-407E-A947-70E740481C1C}">
-                <a14:useLocalDpi xmlns:a14="http://schemas.microsoft.com/office/drawing/2010/main" val="0"/>
-              </a:ext>
-            </a:extLst>
-          </a:blip>
-          <a:stretch>
-            <a:fillRect/>
-          </a:stretch>
-        </p:blipFill>
-        <p:spPr>
-          <a:xfrm>
-            <a:off x="6519863" y="3001790"/>
-            <a:ext cx="5165725" cy="2919757"/>
-          </a:xfrm>
-        </p:spPr>
-      </p:pic>
-    </p:spTree>
-    <p:extLst>
-      <p:ext uri="{BB962C8B-B14F-4D97-AF65-F5344CB8AC3E}">
-        <p14:creationId xmlns:p14="http://schemas.microsoft.com/office/powerpoint/2010/main" val="1884691846"/>
-      </p:ext>
-    </p:extLst>
-  </p:cSld>
-  <p:clrMapOvr>
-    <a:masterClrMapping/>
-  </p:clrMapOvr>
-</p:sld>
-</file>
-
 <file path=ppt/slides/slide2.xml><?xml version="1.0" encoding="utf-8"?>
 <p:sld xmlns:a="http://schemas.openxmlformats.org/drawingml/2006/main" xmlns:r="http://schemas.openxmlformats.org/officeDocument/2006/relationships" xmlns:p="http://schemas.openxmlformats.org/presentationml/2006/main">
   <p:cSld>
@@ -4631,8 +4411,8 @@
           </a:p>
         </p:txBody>
       </p:sp>
-      <mc:AlternateContent xmlns:mc="http://schemas.openxmlformats.org/markup-compatibility/2006" xmlns:a14="http://schemas.microsoft.com/office/drawing/2010/main">
-        <mc:Choice Requires="a14">
+      <mc:AlternateContent xmlns:mc="http://schemas.openxmlformats.org/markup-compatibility/2006">
+        <mc:Choice xmlns:a14="http://schemas.microsoft.com/office/drawing/2010/main" Requires="a14">
           <p:sp>
             <p:nvSpPr>
               <p:cNvPr id="3" name="Content Placeholder 2">
@@ -4664,7 +4444,7 @@
                 <a:pPr marL="0"/>
                 <a:r>
                   <a:rPr lang="en-US" sz="2000" dirty="0"/>
-                  <a:t>Ferromagnetic materials exhibit spontaneous magnetization below a critical temperature </a:t>
+                  <a:t>Ferromagnetic materials exhibit spontaneous magnetization below a critical (Curie) temperature </a:t>
                 </a:r>
                 <a14:m>
                   <m:oMath xmlns:m="http://schemas.openxmlformats.org/officeDocument/2006/math">
@@ -4851,7 +4631,7 @@
             </p:txBody>
           </p:sp>
         </mc:Choice>
-        <mc:Fallback xmlns="">
+        <mc:Fallback>
           <p:sp>
             <p:nvSpPr>
               <p:cNvPr id="3" name="Content Placeholder 2">
@@ -6152,8 +5932,8 @@
           </a:p>
         </p:txBody>
       </p:sp>
-      <mc:AlternateContent xmlns:mc="http://schemas.openxmlformats.org/markup-compatibility/2006" xmlns:a14="http://schemas.microsoft.com/office/drawing/2010/main">
-        <mc:Choice Requires="a14">
+      <mc:AlternateContent xmlns:mc="http://schemas.openxmlformats.org/markup-compatibility/2006">
+        <mc:Choice xmlns:a14="http://schemas.microsoft.com/office/drawing/2010/main" Requires="a14">
           <p:sp>
             <p:nvSpPr>
               <p:cNvPr id="7" name="Content Placeholder 6">
@@ -6446,7 +6226,7 @@
                         <a:rPr lang="en-US" b="0" i="1" smtClean="0">
                           <a:latin typeface="Cambria Math" panose="02040503050406030204" pitchFamily="18" charset="0"/>
                         </a:rPr>
-                        <m:t>𝐶</m:t>
+                        <m:t>𝜒</m:t>
                       </m:r>
                       <m:r>
                         <a:rPr lang="en-US" b="0" i="1" smtClean="0">
@@ -6644,7 +6424,7 @@
             </p:txBody>
           </p:sp>
         </mc:Choice>
-        <mc:Fallback xmlns="">
+        <mc:Fallback>
           <p:sp>
             <p:nvSpPr>
               <p:cNvPr id="7" name="Content Placeholder 6">
@@ -7494,127 +7274,6 @@
 <file path=ppt/slides/slide6.xml><?xml version="1.0" encoding="utf-8"?>
 <p:sld xmlns:a="http://schemas.openxmlformats.org/drawingml/2006/main" xmlns:r="http://schemas.openxmlformats.org/officeDocument/2006/relationships" xmlns:p="http://schemas.openxmlformats.org/presentationml/2006/main">
   <p:cSld>
-    <p:spTree>
-      <p:nvGrpSpPr>
-        <p:cNvPr id="1" name=""/>
-        <p:cNvGrpSpPr/>
-        <p:nvPr/>
-      </p:nvGrpSpPr>
-      <p:grpSpPr>
-        <a:xfrm>
-          <a:off x="0" y="0"/>
-          <a:ext cx="0" cy="0"/>
-          <a:chOff x="0" y="0"/>
-          <a:chExt cx="0" cy="0"/>
-        </a:xfrm>
-      </p:grpSpPr>
-      <p:sp>
-        <p:nvSpPr>
-          <p:cNvPr id="2" name="Title 1">
-            <a:extLst>
-              <a:ext uri="{FF2B5EF4-FFF2-40B4-BE49-F238E27FC236}">
-                <a16:creationId xmlns:a16="http://schemas.microsoft.com/office/drawing/2014/main" id="{26F7AA38-28E0-A2AA-0404-385A2C87A35A}"/>
-              </a:ext>
-            </a:extLst>
-          </p:cNvPr>
-          <p:cNvSpPr>
-            <a:spLocks noGrp="1"/>
-          </p:cNvSpPr>
-          <p:nvPr>
-            <p:ph type="title"/>
-          </p:nvPr>
-        </p:nvSpPr>
-        <p:spPr/>
-        <p:txBody>
-          <a:bodyPr/>
-          <a:lstStyle/>
-          <a:p>
-            <a:r>
-              <a:rPr lang="en-US" dirty="0"/>
-              <a:t>Initial Conditions and Equilibrium</a:t>
-            </a:r>
-          </a:p>
-        </p:txBody>
-      </p:sp>
-      <p:sp>
-        <p:nvSpPr>
-          <p:cNvPr id="3" name="Content Placeholder 2">
-            <a:extLst>
-              <a:ext uri="{FF2B5EF4-FFF2-40B4-BE49-F238E27FC236}">
-                <a16:creationId xmlns:a16="http://schemas.microsoft.com/office/drawing/2014/main" id="{A9E8E305-9B96-C637-567D-0C64BFB2240B}"/>
-              </a:ext>
-            </a:extLst>
-          </p:cNvPr>
-          <p:cNvSpPr>
-            <a:spLocks noGrp="1"/>
-          </p:cNvSpPr>
-          <p:nvPr>
-            <p:ph sz="half" idx="1"/>
-          </p:nvPr>
-        </p:nvSpPr>
-        <p:spPr/>
-        <p:txBody>
-          <a:bodyPr/>
-          <a:lstStyle/>
-          <a:p>
-            <a:r>
-              <a:rPr lang="en-US" dirty="0"/>
-              <a:t>Common initialization gives random spins</a:t>
-            </a:r>
-          </a:p>
-          <a:p>
-            <a:r>
-              <a:rPr lang="en-US" dirty="0"/>
-              <a:t>Allow system to equilibrate before </a:t>
-            </a:r>
-            <a:r>
-              <a:rPr lang="en-US"/>
-              <a:t>taking measurements</a:t>
-            </a:r>
-          </a:p>
-        </p:txBody>
-      </p:sp>
-      <p:sp>
-        <p:nvSpPr>
-          <p:cNvPr id="4" name="Content Placeholder 3">
-            <a:extLst>
-              <a:ext uri="{FF2B5EF4-FFF2-40B4-BE49-F238E27FC236}">
-                <a16:creationId xmlns:a16="http://schemas.microsoft.com/office/drawing/2014/main" id="{71514074-70BC-66CF-5938-C96CE55B3C65}"/>
-              </a:ext>
-            </a:extLst>
-          </p:cNvPr>
-          <p:cNvSpPr>
-            <a:spLocks noGrp="1"/>
-          </p:cNvSpPr>
-          <p:nvPr>
-            <p:ph sz="half" idx="2"/>
-          </p:nvPr>
-        </p:nvSpPr>
-        <p:spPr/>
-        <p:txBody>
-          <a:bodyPr/>
-          <a:lstStyle/>
-          <a:p>
-            <a:endParaRPr lang="en-US"/>
-          </a:p>
-        </p:txBody>
-      </p:sp>
-    </p:spTree>
-    <p:extLst>
-      <p:ext uri="{BB962C8B-B14F-4D97-AF65-F5344CB8AC3E}">
-        <p14:creationId xmlns:p14="http://schemas.microsoft.com/office/powerpoint/2010/main" val="3492988798"/>
-      </p:ext>
-    </p:extLst>
-  </p:cSld>
-  <p:clrMapOvr>
-    <a:masterClrMapping/>
-  </p:clrMapOvr>
-</p:sld>
-</file>
-
-<file path=ppt/slides/slide7.xml><?xml version="1.0" encoding="utf-8"?>
-<p:sld xmlns:a="http://schemas.openxmlformats.org/drawingml/2006/main" xmlns:r="http://schemas.openxmlformats.org/officeDocument/2006/relationships" xmlns:p="http://schemas.openxmlformats.org/presentationml/2006/main">
-  <p:cSld>
     <p:bg>
       <p:bgPr>
         <a:solidFill>
@@ -8084,7 +7743,7 @@
 </p:sld>
 </file>
 
-<file path=ppt/slides/slide8.xml><?xml version="1.0" encoding="utf-8"?>
+<file path=ppt/slides/slide7.xml><?xml version="1.0" encoding="utf-8"?>
 <p:sld xmlns:a="http://schemas.openxmlformats.org/drawingml/2006/main" xmlns:r="http://schemas.openxmlformats.org/officeDocument/2006/relationships" xmlns:p="http://schemas.openxmlformats.org/presentationml/2006/main">
   <p:cSld>
     <p:bg>
@@ -8440,8 +8099,8 @@
           </a:p>
         </p:txBody>
       </p:sp>
-      <mc:AlternateContent xmlns:mc="http://schemas.openxmlformats.org/markup-compatibility/2006">
-        <mc:Choice xmlns:a14="http://schemas.microsoft.com/office/drawing/2010/main" Requires="a14">
+      <mc:AlternateContent xmlns:mc="http://schemas.openxmlformats.org/markup-compatibility/2006" xmlns:a14="http://schemas.microsoft.com/office/drawing/2010/main">
+        <mc:Choice Requires="a14">
           <p:sp>
             <p:nvSpPr>
               <p:cNvPr id="3" name="Content Placeholder 2">
@@ -8565,7 +8224,7 @@
             </p:txBody>
           </p:sp>
         </mc:Choice>
-        <mc:Fallback>
+        <mc:Fallback xmlns="">
           <p:sp>
             <p:nvSpPr>
               <p:cNvPr id="3" name="Content Placeholder 2">
@@ -8659,7 +8318,7 @@
 </p:sld>
 </file>
 
-<file path=ppt/slides/slide9.xml><?xml version="1.0" encoding="utf-8"?>
+<file path=ppt/slides/slide8.xml><?xml version="1.0" encoding="utf-8"?>
 <p:sld xmlns:a="http://schemas.openxmlformats.org/drawingml/2006/main" xmlns:r="http://schemas.openxmlformats.org/officeDocument/2006/relationships" xmlns:p="http://schemas.openxmlformats.org/presentationml/2006/main">
   <p:cSld>
     <p:spTree>
@@ -8704,8 +8363,8 @@
           </a:p>
         </p:txBody>
       </p:sp>
-      <mc:AlternateContent xmlns:mc="http://schemas.openxmlformats.org/markup-compatibility/2006">
-        <mc:Choice xmlns:a14="http://schemas.microsoft.com/office/drawing/2010/main" Requires="a14">
+      <mc:AlternateContent xmlns:mc="http://schemas.openxmlformats.org/markup-compatibility/2006" xmlns:a14="http://schemas.microsoft.com/office/drawing/2010/main">
+        <mc:Choice Requires="a14">
           <p:sp>
             <p:nvSpPr>
               <p:cNvPr id="3" name="Content Placeholder 2">
@@ -8930,7 +8589,7 @@
             </p:txBody>
           </p:sp>
         </mc:Choice>
-        <mc:Fallback>
+        <mc:Fallback xmlns="">
           <p:sp>
             <p:nvSpPr>
               <p:cNvPr id="3" name="Content Placeholder 2">
@@ -9029,6 +8688,225 @@
     <p:extLst>
       <p:ext uri="{BB962C8B-B14F-4D97-AF65-F5344CB8AC3E}">
         <p14:creationId xmlns:p14="http://schemas.microsoft.com/office/powerpoint/2010/main" val="865282876"/>
+      </p:ext>
+    </p:extLst>
+  </p:cSld>
+  <p:clrMapOvr>
+    <a:masterClrMapping/>
+  </p:clrMapOvr>
+</p:sld>
+</file>
+
+<file path=ppt/slides/slide9.xml><?xml version="1.0" encoding="utf-8"?>
+<p:sld xmlns:a="http://schemas.openxmlformats.org/drawingml/2006/main" xmlns:r="http://schemas.openxmlformats.org/officeDocument/2006/relationships" xmlns:p="http://schemas.openxmlformats.org/presentationml/2006/main">
+  <p:cSld>
+    <p:spTree>
+      <p:nvGrpSpPr>
+        <p:cNvPr id="1" name=""/>
+        <p:cNvGrpSpPr/>
+        <p:nvPr/>
+      </p:nvGrpSpPr>
+      <p:grpSpPr>
+        <a:xfrm>
+          <a:off x="0" y="0"/>
+          <a:ext cx="0" cy="0"/>
+          <a:chOff x="0" y="0"/>
+          <a:chExt cx="0" cy="0"/>
+        </a:xfrm>
+      </p:grpSpPr>
+      <p:sp>
+        <p:nvSpPr>
+          <p:cNvPr id="2" name="Title 1">
+            <a:extLst>
+              <a:ext uri="{FF2B5EF4-FFF2-40B4-BE49-F238E27FC236}">
+                <a16:creationId xmlns:a16="http://schemas.microsoft.com/office/drawing/2014/main" id="{9F9537D3-FDD6-31A2-D285-5CA190B0D35A}"/>
+              </a:ext>
+            </a:extLst>
+          </p:cNvPr>
+          <p:cNvSpPr>
+            <a:spLocks noGrp="1"/>
+          </p:cNvSpPr>
+          <p:nvPr>
+            <p:ph type="title"/>
+          </p:nvPr>
+        </p:nvSpPr>
+        <p:spPr/>
+        <p:txBody>
+          <a:bodyPr/>
+          <a:lstStyle/>
+          <a:p>
+            <a:r>
+              <a:rPr lang="en-US" dirty="0"/>
+              <a:t>Is Annealing Working?</a:t>
+            </a:r>
+          </a:p>
+        </p:txBody>
+      </p:sp>
+      <mc:AlternateContent xmlns:mc="http://schemas.openxmlformats.org/markup-compatibility/2006" xmlns:a14="http://schemas.microsoft.com/office/drawing/2010/main">
+        <mc:Choice Requires="a14">
+          <p:sp>
+            <p:nvSpPr>
+              <p:cNvPr id="3" name="Content Placeholder 2">
+                <a:extLst>
+                  <a:ext uri="{FF2B5EF4-FFF2-40B4-BE49-F238E27FC236}">
+                    <a16:creationId xmlns:a16="http://schemas.microsoft.com/office/drawing/2014/main" id="{E34D2C52-E02E-0C63-1D7F-96189F3A11A3}"/>
+                  </a:ext>
+                </a:extLst>
+              </p:cNvPr>
+              <p:cNvSpPr>
+                <a:spLocks noGrp="1"/>
+              </p:cNvSpPr>
+              <p:nvPr>
+                <p:ph sz="half" idx="1"/>
+              </p:nvPr>
+            </p:nvSpPr>
+            <p:spPr/>
+            <p:txBody>
+              <a:bodyPr/>
+              <a:lstStyle/>
+              <a:p>
+                <a:r>
+                  <a:rPr lang="en-US" dirty="0"/>
+                  <a:t>Check that </a:t>
+                </a:r>
+                <a14:m>
+                  <m:oMath xmlns:m="http://schemas.openxmlformats.org/officeDocument/2006/math">
+                    <m:r>
+                      <a:rPr lang="en-US" i="1" dirty="0" smtClean="0">
+                        <a:latin typeface="Cambria Math" panose="02040503050406030204" pitchFamily="18" charset="0"/>
+                      </a:rPr>
+                      <m:t>𝐸</m:t>
+                    </m:r>
+                    <m:r>
+                      <a:rPr lang="en-US" i="1" dirty="0" smtClean="0">
+                        <a:latin typeface="Cambria Math" panose="02040503050406030204" pitchFamily="18" charset="0"/>
+                      </a:rPr>
+                      <m:t>(</m:t>
+                    </m:r>
+                    <m:r>
+                      <a:rPr lang="en-US" i="1" dirty="0" smtClean="0">
+                        <a:latin typeface="Cambria Math" panose="02040503050406030204" pitchFamily="18" charset="0"/>
+                      </a:rPr>
+                      <m:t>𝑇</m:t>
+                    </m:r>
+                    <m:r>
+                      <a:rPr lang="en-US" i="1" dirty="0" smtClean="0">
+                        <a:latin typeface="Cambria Math" panose="02040503050406030204" pitchFamily="18" charset="0"/>
+                      </a:rPr>
+                      <m:t>)</m:t>
+                    </m:r>
+                  </m:oMath>
+                </a14:m>
+                <a:r>
+                  <a:rPr lang="en-US" dirty="0"/>
+                  <a:t> decreases and levels off at low </a:t>
+                </a:r>
+                <a14:m>
+                  <m:oMath xmlns:m="http://schemas.openxmlformats.org/officeDocument/2006/math">
+                    <m:r>
+                      <a:rPr lang="en-US" i="1" dirty="0" smtClean="0">
+                        <a:latin typeface="Cambria Math" panose="02040503050406030204" pitchFamily="18" charset="0"/>
+                      </a:rPr>
+                      <m:t>𝑇</m:t>
+                    </m:r>
+                  </m:oMath>
+                </a14:m>
+                <a:endParaRPr lang="en-US" dirty="0"/>
+              </a:p>
+              <a:p>
+                <a:r>
+                  <a:rPr lang="en-US" dirty="0"/>
+                  <a:t>Plot energy vs temperature to visualize annealing process</a:t>
+                </a:r>
+              </a:p>
+              <a:p>
+                <a:r>
+                  <a:rPr lang="en-US" dirty="0"/>
+                  <a:t>Check that acceptance ratio decreases smoothly during the process</a:t>
+                </a:r>
+              </a:p>
+            </p:txBody>
+          </p:sp>
+        </mc:Choice>
+        <mc:Fallback xmlns="">
+          <p:sp>
+            <p:nvSpPr>
+              <p:cNvPr id="3" name="Content Placeholder 2">
+                <a:extLst>
+                  <a:ext uri="{FF2B5EF4-FFF2-40B4-BE49-F238E27FC236}">
+                    <a16:creationId xmlns:a16="http://schemas.microsoft.com/office/drawing/2014/main" id="{E34D2C52-E02E-0C63-1D7F-96189F3A11A3}"/>
+                  </a:ext>
+                </a:extLst>
+              </p:cNvPr>
+              <p:cNvSpPr>
+                <a:spLocks noGrp="1" noRot="1" noChangeAspect="1" noMove="1" noResize="1" noEditPoints="1" noAdjustHandles="1" noChangeArrowheads="1" noChangeShapeType="1" noTextEdit="1"/>
+              </p:cNvSpPr>
+              <p:nvPr>
+                <p:ph sz="half" idx="1"/>
+              </p:nvPr>
+            </p:nvSpPr>
+            <p:spPr>
+              <a:blipFill>
+                <a:blip r:embed="rId2"/>
+                <a:stretch>
+                  <a:fillRect l="-826" t="-485" r="-1181"/>
+                </a:stretch>
+              </a:blipFill>
+            </p:spPr>
+            <p:txBody>
+              <a:bodyPr/>
+              <a:lstStyle/>
+              <a:p>
+                <a:r>
+                  <a:rPr lang="en-US">
+                    <a:noFill/>
+                  </a:rPr>
+                  <a:t> </a:t>
+                </a:r>
+              </a:p>
+            </p:txBody>
+          </p:sp>
+        </mc:Fallback>
+      </mc:AlternateContent>
+      <p:pic>
+        <p:nvPicPr>
+          <p:cNvPr id="6" name="Content Placeholder 5" descr="A graph showing the temperature of a person&#10;&#10;AI-generated content may be incorrect.">
+            <a:extLst>
+              <a:ext uri="{FF2B5EF4-FFF2-40B4-BE49-F238E27FC236}">
+                <a16:creationId xmlns:a16="http://schemas.microsoft.com/office/drawing/2014/main" id="{D08B2B2B-C4AB-2B28-732C-CCCDB0CF915C}"/>
+              </a:ext>
+            </a:extLst>
+          </p:cNvPr>
+          <p:cNvPicPr>
+            <a:picLocks noGrp="1" noChangeAspect="1"/>
+          </p:cNvPicPr>
+          <p:nvPr>
+            <p:ph sz="half" idx="2"/>
+          </p:nvPr>
+        </p:nvPicPr>
+        <p:blipFill>
+          <a:blip r:embed="rId3">
+            <a:extLst>
+              <a:ext uri="{28A0092B-C50C-407E-A947-70E740481C1C}">
+                <a14:useLocalDpi xmlns:a14="http://schemas.microsoft.com/office/drawing/2010/main" val="0"/>
+              </a:ext>
+            </a:extLst>
+          </a:blip>
+          <a:stretch>
+            <a:fillRect/>
+          </a:stretch>
+        </p:blipFill>
+        <p:spPr>
+          <a:xfrm>
+            <a:off x="6519863" y="3001790"/>
+            <a:ext cx="5165725" cy="2919757"/>
+          </a:xfrm>
+        </p:spPr>
+      </p:pic>
+    </p:spTree>
+    <p:extLst>
+      <p:ext uri="{BB962C8B-B14F-4D97-AF65-F5344CB8AC3E}">
+        <p14:creationId xmlns:p14="http://schemas.microsoft.com/office/powerpoint/2010/main" val="1884691846"/>
       </p:ext>
     </p:extLst>
   </p:cSld>
